--- a/Lab4/Lab4-0/lab4-0-caravel-simulation.pptx
+++ b/Lab4/Lab4-0/lab4-0-caravel-simulation.pptx
@@ -9468,15 +9468,44 @@
           <a:p>
             <a:pPr lvl="1"/>
             <a:r>
-              <a:rPr lang="en-US" u="sng" dirty="0">
-                <a:solidFill>
-                  <a:prstClr val="white">
-                    <a:lumMod val="75000"/>
-                  </a:prstClr>
-                </a:solidFill>
+              <a:rPr lang="en-US" altLang="zh-CN" dirty="0" err="1">
                 <a:hlinkClick r:id="rId2"/>
               </a:rPr>
-              <a:t>https://github.com/bol-edu/caravel-soc</a:t>
+              <a:t>hkust</a:t>
+            </a:r>
+            <a:r>
+              <a:rPr lang="en-US" altLang="zh-CN" dirty="0">
+                <a:hlinkClick r:id="rId2"/>
+              </a:rPr>
+              <a:t>-soc-lab/Lab4/caravel-soc at main · </a:t>
+            </a:r>
+            <a:r>
+              <a:rPr lang="en-US" altLang="zh-CN" dirty="0" err="1">
+                <a:hlinkClick r:id="rId2"/>
+              </a:rPr>
+              <a:t>roo-nju</a:t>
+            </a:r>
+            <a:r>
+              <a:rPr lang="en-US" altLang="zh-CN" dirty="0">
+                <a:hlinkClick r:id="rId2"/>
+              </a:rPr>
+              <a:t>/</a:t>
+            </a:r>
+            <a:r>
+              <a:rPr lang="en-US" altLang="zh-CN" dirty="0" err="1">
+                <a:hlinkClick r:id="rId2"/>
+              </a:rPr>
+              <a:t>hkust</a:t>
+            </a:r>
+            <a:r>
+              <a:rPr lang="en-US" altLang="zh-CN" dirty="0">
+                <a:hlinkClick r:id="rId2"/>
+              </a:rPr>
+              <a:t>-soc-lab (github.com)</a:t>
+            </a:r>
+            <a:r>
+              <a:rPr lang="en-US" altLang="zh-CN" dirty="0"/>
+              <a:t> </a:t>
             </a:r>
             <a:r>
               <a:rPr lang="en-US" u="sng" dirty="0">
@@ -9486,7 +9515,7 @@
                   </a:prstClr>
                 </a:solidFill>
               </a:rPr>
-              <a:t> (</a:t>
+              <a:t>(</a:t>
             </a:r>
             <a:r>
               <a:rPr lang="en-US" u="sng" dirty="0" err="1">
@@ -9520,10 +9549,40 @@
           <a:p>
             <a:pPr lvl="2"/>
             <a:r>
-              <a:rPr lang="en-US" dirty="0">
-                <a:hlinkClick r:id="rId3"/>
+              <a:rPr lang="en-US" altLang="zh-CN" dirty="0" err="1">
+                <a:hlinkClick r:id="rId2"/>
               </a:rPr>
-              <a:t>https://github.com/bol-edu/caravel-soc#toolchain-prerequisites</a:t>
+              <a:t>hkust</a:t>
+            </a:r>
+            <a:r>
+              <a:rPr lang="en-US" altLang="zh-CN" dirty="0">
+                <a:hlinkClick r:id="rId2"/>
+              </a:rPr>
+              <a:t>-soc-lab/Lab4/caravel-soc at main · </a:t>
+            </a:r>
+            <a:r>
+              <a:rPr lang="en-US" altLang="zh-CN" dirty="0" err="1">
+                <a:hlinkClick r:id="rId2"/>
+              </a:rPr>
+              <a:t>roo-nju</a:t>
+            </a:r>
+            <a:r>
+              <a:rPr lang="en-US" altLang="zh-CN" dirty="0">
+                <a:hlinkClick r:id="rId2"/>
+              </a:rPr>
+              <a:t>/</a:t>
+            </a:r>
+            <a:r>
+              <a:rPr lang="en-US" altLang="zh-CN" dirty="0" err="1">
+                <a:hlinkClick r:id="rId2"/>
+              </a:rPr>
+              <a:t>hkust</a:t>
+            </a:r>
+            <a:r>
+              <a:rPr lang="en-US" altLang="zh-CN" dirty="0">
+                <a:hlinkClick r:id="rId2"/>
+              </a:rPr>
+              <a:t>-soc-lab (github.com)</a:t>
             </a:r>
             <a:r>
               <a:rPr lang="en-US" dirty="0"/>
@@ -9537,19 +9596,62 @@
               </a:spcBef>
             </a:pPr>
             <a:r>
-              <a:rPr lang="en-US" sz="2400" dirty="0">
-                <a:hlinkClick r:id="rId2"/>
-              </a:rPr>
+              <a:rPr lang="en-US" sz="2400" dirty="0"/>
               <a:t>Follow the following step to use Xilinx XSIM</a:t>
             </a:r>
+            <a:endParaRPr lang="en-US" sz="2400" dirty="0">
+              <a:hlinkClick r:id="rId3"/>
+            </a:endParaRPr>
           </a:p>
           <a:p>
             <a:pPr lvl="2"/>
             <a:r>
-              <a:rPr lang="en-US" dirty="0">
+              <a:rPr lang="en-US" altLang="zh-CN" dirty="0" err="1">
                 <a:hlinkClick r:id="rId4"/>
               </a:rPr>
-              <a:t>https://github.com/bol-edu/caravel-soc_fpga#run-xilinx-vivado-simulation-of-caravel-soc-fpga</a:t>
+              <a:t>hkust</a:t>
+            </a:r>
+            <a:r>
+              <a:rPr lang="en-US" altLang="zh-CN" dirty="0">
+                <a:hlinkClick r:id="rId4"/>
+              </a:rPr>
+              <a:t>-soc-lab/Lab4/caravel-</a:t>
+            </a:r>
+            <a:r>
+              <a:rPr lang="en-US" altLang="zh-CN" dirty="0" err="1">
+                <a:hlinkClick r:id="rId4"/>
+              </a:rPr>
+              <a:t>soc_fpga</a:t>
+            </a:r>
+            <a:r>
+              <a:rPr lang="en-US" altLang="zh-CN" dirty="0">
+                <a:hlinkClick r:id="rId4"/>
+              </a:rPr>
+              <a:t> at main · </a:t>
+            </a:r>
+            <a:r>
+              <a:rPr lang="en-US" altLang="zh-CN" dirty="0" err="1">
+                <a:hlinkClick r:id="rId4"/>
+              </a:rPr>
+              <a:t>roo-nju</a:t>
+            </a:r>
+            <a:r>
+              <a:rPr lang="en-US" altLang="zh-CN" dirty="0">
+                <a:hlinkClick r:id="rId4"/>
+              </a:rPr>
+              <a:t>/</a:t>
+            </a:r>
+            <a:r>
+              <a:rPr lang="en-US" altLang="zh-CN" dirty="0" err="1">
+                <a:hlinkClick r:id="rId4"/>
+              </a:rPr>
+              <a:t>hkust</a:t>
+            </a:r>
+            <a:r>
+              <a:rPr lang="en-US" altLang="zh-CN" dirty="0">
+                <a:hlinkClick r:id="rId4"/>
+              </a:rPr>
+              <a:t>-soc-lab (github.com)</a:t>
             </a:r>
             <a:r>
               <a:rPr lang="en-US" dirty="0"/>
@@ -9567,33 +9669,8 @@
           <a:p>
             <a:pPr lvl="3"/>
             <a:r>
-              <a:rPr lang="en-US" dirty="0" err="1"/>
-              <a:t>git</a:t>
-            </a:r>
-            <a:r>
               <a:rPr lang="en-US" dirty="0"/>
-              <a:t> clone https://github.com/bol-edu/caravel-soc_fpga</a:t>
-            </a:r>
-          </a:p>
-          <a:p>
-            <a:pPr lvl="3"/>
-            <a:r>
-              <a:rPr lang="en-US" altLang="zh-CN" dirty="0"/>
-              <a:t>Follow the link: </a:t>
-            </a:r>
-            <a:r>
-              <a:rPr lang="zh-TW" altLang="en-US" dirty="0"/>
-              <a:t> </a:t>
-            </a:r>
-            <a:r>
-              <a:rPr lang="en-US" dirty="0">
-                <a:hlinkClick r:id="rId4"/>
-              </a:rPr>
-              <a:t>https://github.com/bol-edu/caravel-soc_fpga#run-xilinx-vivado-simulation-of-caravel-soc-fpga</a:t>
-            </a:r>
-            <a:r>
-              <a:rPr lang="en-US" dirty="0"/>
-              <a:t> </a:t>
+              <a:t>git clone https://github.com/roo-nju/hkust-soc-lab/tree/main/Lab4/caravel-soc_fpga</a:t>
             </a:r>
           </a:p>
           <a:p>
@@ -9720,7 +9797,7 @@
         <p:spPr/>
         <p:txBody>
           <a:bodyPr>
-            <a:normAutofit fontScale="77500" lnSpcReduction="20000"/>
+            <a:normAutofit fontScale="85000" lnSpcReduction="20000"/>
           </a:bodyPr>
           <a:lstStyle/>
           <a:p>
@@ -9941,25 +10018,7 @@
             <a:pPr lvl="1"/>
             <a:r>
               <a:rPr lang="en-US" dirty="0"/>
-              <a:t>Using CPU trace  ( </a:t>
-            </a:r>
-            <a:r>
-              <a:rPr lang="en-US" dirty="0">
-                <a:hlinkClick r:id="rId2"/>
-              </a:rPr>
-              <a:t>https://github.com/bol-edu/caravel-soc/tree/cpu-trace</a:t>
-            </a:r>
-            <a:r>
-              <a:rPr lang="en-US" dirty="0"/>
-              <a:t> ) - caravel-</a:t>
-            </a:r>
-            <a:r>
-              <a:rPr lang="en-US" dirty="0" err="1"/>
-              <a:t>soc</a:t>
-            </a:r>
-            <a:r>
-              <a:rPr lang="en-US" dirty="0"/>
-              <a:t>, </a:t>
+              <a:t>Using CPU trace - caravel-soc, </a:t>
             </a:r>
             <a:r>
               <a:rPr lang="en-US" dirty="0" err="1"/>
